--- a/Presentation-2.pptx
+++ b/Presentation-2.pptx
@@ -5121,72 +5121,74 @@
           <a:p>
             <a:pPr marL="383540" indent="-383540"/>
             <a:r>
+              <a:rPr lang="en-US" sz="2400" b="1" dirty="0">
+                <a:latin typeface="Cambria"/>
+                <a:ea typeface="Cambria"/>
+              </a:rPr>
+              <a:t>Time management</a:t>
+            </a:r>
+          </a:p>
+          <a:p>
+            <a:pPr marL="0" indent="0">
+              <a:buNone/>
+            </a:pPr>
+            <a:endParaRPr lang="en-US" sz="2400" b="1" dirty="0">
+              <a:latin typeface="Cambria"/>
+              <a:ea typeface="Cambria"/>
+            </a:endParaRPr>
+          </a:p>
+          <a:p>
+            <a:pPr marL="383540" indent="-383540"/>
+            <a:r>
+              <a:rPr lang="en-US" sz="2400" b="1" dirty="0">
+                <a:latin typeface="Cambria"/>
+              </a:rPr>
+              <a:t>Meet in person</a:t>
+            </a:r>
+          </a:p>
+          <a:p>
+            <a:pPr marL="0" indent="0">
+              <a:buNone/>
+            </a:pPr>
+            <a:endParaRPr lang="en-US" sz="2400" dirty="0">
+              <a:latin typeface="Cambria" panose="02040503050406030204" pitchFamily="18" charset="0"/>
+            </a:endParaRPr>
+          </a:p>
+          <a:p>
+            <a:pPr marL="383540" indent="-383540"/>
+            <a:r>
+              <a:rPr lang="en-US" sz="2400" b="1" dirty="0">
+                <a:latin typeface="Cambria"/>
+                <a:ea typeface="Cambria"/>
+              </a:rPr>
+              <a:t>More Knowledge</a:t>
+            </a:r>
+          </a:p>
+          <a:p>
+            <a:pPr marL="383540" indent="-383540"/>
+            <a:endParaRPr lang="en-US" sz="2400" b="1" dirty="0">
+              <a:latin typeface="Cambria"/>
+              <a:ea typeface="Cambria"/>
+            </a:endParaRPr>
+          </a:p>
+          <a:p>
+            <a:pPr marL="383540" indent="-383540"/>
+            <a:r>
               <a:rPr lang="en-US" sz="2400" b="1">
                 <a:latin typeface="Cambria"/>
                 <a:ea typeface="Cambria"/>
               </a:rPr>
-              <a:t>Time management</a:t>
-            </a:r>
-            <a:r>
-              <a:rPr lang="en-US" sz="2400">
-                <a:latin typeface="Cambria"/>
-                <a:ea typeface="Cambria"/>
-              </a:rPr>
-              <a:t>: The group did finish the project on time, but we should have taken more time out to review it than we did. </a:t>
-            </a:r>
-            <a:endParaRPr lang="en-US"/>
+              <a:t>More Communication</a:t>
+            </a:r>
           </a:p>
           <a:p>
             <a:pPr marL="0" indent="0">
               <a:buNone/>
             </a:pPr>
-            <a:endParaRPr lang="en-US" sz="2400">
-              <a:latin typeface="Cambria" panose="02040503050406030204" pitchFamily="18" charset="0"/>
-            </a:endParaRPr>
-          </a:p>
-          <a:p>
-            <a:pPr marL="383540" indent="-383540"/>
-            <a:r>
-              <a:rPr lang="en-US" sz="2400" b="1">
-                <a:latin typeface="Cambria"/>
-              </a:rPr>
-              <a:t>Meet in person</a:t>
-            </a:r>
-            <a:r>
-              <a:rPr lang="en-US" sz="2400">
-                <a:latin typeface="Cambria"/>
-              </a:rPr>
-              <a:t>: If we met in person, it would have been a bit easier to communicate and work with the robot itself since only one person was working with it. We were able to have group discussions virtually it was just a little complicated.</a:t>
-            </a:r>
-            <a:endParaRPr lang="en-US" sz="2400">
+            <a:endParaRPr lang="en-US" sz="2400" dirty="0">
               <a:latin typeface="Cambria"/>
               <a:ea typeface="Cambria"/>
             </a:endParaRPr>
-          </a:p>
-          <a:p>
-            <a:pPr marL="0" indent="0">
-              <a:buNone/>
-            </a:pPr>
-            <a:endParaRPr lang="en-US" sz="2400">
-              <a:latin typeface="Cambria" panose="02040503050406030204" pitchFamily="18" charset="0"/>
-            </a:endParaRPr>
-          </a:p>
-          <a:p>
-            <a:pPr marL="383540" indent="-383540"/>
-            <a:r>
-              <a:rPr lang="en-US" sz="2400" b="1">
-                <a:latin typeface="Cambria"/>
-                <a:ea typeface="Cambria"/>
-              </a:rPr>
-              <a:t>More Knowledge</a:t>
-            </a:r>
-            <a:r>
-              <a:rPr lang="en-US" sz="2400">
-                <a:latin typeface="Cambria"/>
-                <a:ea typeface="Cambria"/>
-              </a:rPr>
-              <a:t>: Although our group had an understanding of the sprints, learning more about the sprint would benefit us even more. For example, gaining more knowledge about the Sphero and its abilities would save time.</a:t>
-            </a:r>
           </a:p>
         </p:txBody>
       </p:sp>
